--- a/diss/img/model_sqlodb.pptx
+++ b/diss/img/model_sqlodb.pptx
@@ -112,10 +112,6 @@
 </p:presentation>
 </file>
 
-<file path=ppt/revisionInfo.xml><?xml version="1.0" encoding="utf-8"?>
-<p1510:revInfo xmlns:a="http://schemas.openxmlformats.org/drawingml/2006/main" xmlns:r="http://schemas.openxmlformats.org/officeDocument/2006/relationships" xmlns:p1510="http://schemas.microsoft.com/office/powerpoint/2015/10/main"/>
-</file>
-
 <file path=ppt/slideLayouts/slideLayout1.xml><?xml version="1.0" encoding="utf-8"?>
 <p:sldLayout xmlns:a="http://schemas.openxmlformats.org/drawingml/2006/main" xmlns:r="http://schemas.openxmlformats.org/officeDocument/2006/relationships" xmlns:p="http://schemas.openxmlformats.org/presentationml/2006/main" type="title" preserve="1">
   <p:cSld name="Title Slide">
@@ -263,7 +259,7 @@
           <a:p>
             <a:fld id="{C30E365A-C579-45F1-8AD4-BA96CF4FD8F2}" type="datetimeFigureOut">
               <a:rPr lang="en-US" smtClean="0"/>
-              <a:t>5/31/2018</a:t>
+              <a:t>9/14/2018</a:t>
             </a:fld>
             <a:endParaRPr lang="en-US"/>
           </a:p>
@@ -461,7 +457,7 @@
           <a:p>
             <a:fld id="{C30E365A-C579-45F1-8AD4-BA96CF4FD8F2}" type="datetimeFigureOut">
               <a:rPr lang="en-US" smtClean="0"/>
-              <a:t>5/31/2018</a:t>
+              <a:t>9/14/2018</a:t>
             </a:fld>
             <a:endParaRPr lang="en-US"/>
           </a:p>
@@ -669,7 +665,7 @@
           <a:p>
             <a:fld id="{C30E365A-C579-45F1-8AD4-BA96CF4FD8F2}" type="datetimeFigureOut">
               <a:rPr lang="en-US" smtClean="0"/>
-              <a:t>5/31/2018</a:t>
+              <a:t>9/14/2018</a:t>
             </a:fld>
             <a:endParaRPr lang="en-US"/>
           </a:p>
@@ -867,7 +863,7 @@
           <a:p>
             <a:fld id="{C30E365A-C579-45F1-8AD4-BA96CF4FD8F2}" type="datetimeFigureOut">
               <a:rPr lang="en-US" smtClean="0"/>
-              <a:t>5/31/2018</a:t>
+              <a:t>9/14/2018</a:t>
             </a:fld>
             <a:endParaRPr lang="en-US"/>
           </a:p>
@@ -1142,7 +1138,7 @@
           <a:p>
             <a:fld id="{C30E365A-C579-45F1-8AD4-BA96CF4FD8F2}" type="datetimeFigureOut">
               <a:rPr lang="en-US" smtClean="0"/>
-              <a:t>5/31/2018</a:t>
+              <a:t>9/14/2018</a:t>
             </a:fld>
             <a:endParaRPr lang="en-US"/>
           </a:p>
@@ -1407,7 +1403,7 @@
           <a:p>
             <a:fld id="{C30E365A-C579-45F1-8AD4-BA96CF4FD8F2}" type="datetimeFigureOut">
               <a:rPr lang="en-US" smtClean="0"/>
-              <a:t>5/31/2018</a:t>
+              <a:t>9/14/2018</a:t>
             </a:fld>
             <a:endParaRPr lang="en-US"/>
           </a:p>
@@ -1819,7 +1815,7 @@
           <a:p>
             <a:fld id="{C30E365A-C579-45F1-8AD4-BA96CF4FD8F2}" type="datetimeFigureOut">
               <a:rPr lang="en-US" smtClean="0"/>
-              <a:t>5/31/2018</a:t>
+              <a:t>9/14/2018</a:t>
             </a:fld>
             <a:endParaRPr lang="en-US"/>
           </a:p>
@@ -1960,7 +1956,7 @@
           <a:p>
             <a:fld id="{C30E365A-C579-45F1-8AD4-BA96CF4FD8F2}" type="datetimeFigureOut">
               <a:rPr lang="en-US" smtClean="0"/>
-              <a:t>5/31/2018</a:t>
+              <a:t>9/14/2018</a:t>
             </a:fld>
             <a:endParaRPr lang="en-US"/>
           </a:p>
@@ -2073,7 +2069,7 @@
           <a:p>
             <a:fld id="{C30E365A-C579-45F1-8AD4-BA96CF4FD8F2}" type="datetimeFigureOut">
               <a:rPr lang="en-US" smtClean="0"/>
-              <a:t>5/31/2018</a:t>
+              <a:t>9/14/2018</a:t>
             </a:fld>
             <a:endParaRPr lang="en-US"/>
           </a:p>
@@ -2384,7 +2380,7 @@
           <a:p>
             <a:fld id="{C30E365A-C579-45F1-8AD4-BA96CF4FD8F2}" type="datetimeFigureOut">
               <a:rPr lang="en-US" smtClean="0"/>
-              <a:t>5/31/2018</a:t>
+              <a:t>9/14/2018</a:t>
             </a:fld>
             <a:endParaRPr lang="en-US"/>
           </a:p>
@@ -2672,7 +2668,7 @@
           <a:p>
             <a:fld id="{C30E365A-C579-45F1-8AD4-BA96CF4FD8F2}" type="datetimeFigureOut">
               <a:rPr lang="en-US" smtClean="0"/>
-              <a:t>5/31/2018</a:t>
+              <a:t>9/14/2018</a:t>
             </a:fld>
             <a:endParaRPr lang="en-US"/>
           </a:p>
@@ -2913,7 +2909,7 @@
           <a:p>
             <a:fld id="{C30E365A-C579-45F1-8AD4-BA96CF4FD8F2}" type="datetimeFigureOut">
               <a:rPr lang="en-US" smtClean="0"/>
-              <a:t>5/31/2018</a:t>
+              <a:t>9/14/2018</a:t>
             </a:fld>
             <a:endParaRPr lang="en-US"/>
           </a:p>
@@ -3330,64 +3326,191 @@
           <a:chExt cx="0" cy="0"/>
         </a:xfrm>
       </p:grpSpPr>
-      <p:cxnSp>
-        <p:nvCxnSpPr>
-          <p:cNvPr id="20" name="Connector: Elbow 19">
-            <a:extLst>
-              <a:ext uri="{FF2B5EF4-FFF2-40B4-BE49-F238E27FC236}">
-                <a16:creationId xmlns:a16="http://schemas.microsoft.com/office/drawing/2014/main" id="{729B6B80-9655-4931-B729-37477B7A1CBB}"/>
-              </a:ext>
-            </a:extLst>
-          </p:cNvPr>
-          <p:cNvCxnSpPr>
-            <a:cxnSpLocks/>
-          </p:cNvCxnSpPr>
+      <p:grpSp>
+        <p:nvGrpSpPr>
+          <p:cNvPr id="2" name="Group 1">
+            <a:extLst>
+              <a:ext uri="{FF2B5EF4-FFF2-40B4-BE49-F238E27FC236}">
+                <a16:creationId xmlns:a16="http://schemas.microsoft.com/office/drawing/2014/main" id="{2867C45C-5A05-4B70-B2BD-7A1098BBE22F}"/>
+              </a:ext>
+            </a:extLst>
+          </p:cNvPr>
+          <p:cNvGrpSpPr/>
           <p:nvPr/>
-        </p:nvCxnSpPr>
+        </p:nvGrpSpPr>
+        <p:grpSpPr>
+          <a:xfrm>
+            <a:off x="3068572" y="976809"/>
+            <a:ext cx="1188000" cy="429544"/>
+            <a:chOff x="6330764" y="1033681"/>
+            <a:chExt cx="1188000" cy="429544"/>
+          </a:xfrm>
+        </p:grpSpPr>
+        <p:cxnSp>
+          <p:nvCxnSpPr>
+            <p:cNvPr id="15" name="Connector: Elbow 19">
+              <a:extLst>
+                <a:ext uri="{FF2B5EF4-FFF2-40B4-BE49-F238E27FC236}">
+                  <a16:creationId xmlns:a16="http://schemas.microsoft.com/office/drawing/2014/main" id="{5D9DB40F-F372-445B-81CB-3E0284577405}"/>
+                </a:ext>
+              </a:extLst>
+            </p:cNvPr>
+            <p:cNvCxnSpPr>
+              <a:cxnSpLocks/>
+            </p:cNvCxnSpPr>
+            <p:nvPr/>
+          </p:nvCxnSpPr>
+          <p:spPr>
+            <a:xfrm>
+              <a:off x="6330764" y="1247967"/>
+              <a:ext cx="1188000" cy="0"/>
+            </a:xfrm>
+            <a:prstGeom prst="straightConnector1">
+              <a:avLst/>
+            </a:prstGeom>
+            <a:ln w="12700">
+              <a:solidFill>
+                <a:schemeClr val="tx1"/>
+              </a:solidFill>
+            </a:ln>
+          </p:spPr>
+          <p:style>
+            <a:lnRef idx="1">
+              <a:schemeClr val="accent1"/>
+            </a:lnRef>
+            <a:fillRef idx="0">
+              <a:schemeClr val="accent1"/>
+            </a:fillRef>
+            <a:effectRef idx="0">
+              <a:schemeClr val="accent1"/>
+            </a:effectRef>
+            <a:fontRef idx="minor">
+              <a:schemeClr val="tx1"/>
+            </a:fontRef>
+          </p:style>
+        </p:cxnSp>
+        <p:sp>
+          <p:nvSpPr>
+            <p:cNvPr id="16" name="TextBox 15">
+              <a:extLst>
+                <a:ext uri="{FF2B5EF4-FFF2-40B4-BE49-F238E27FC236}">
+                  <a16:creationId xmlns:a16="http://schemas.microsoft.com/office/drawing/2014/main" id="{E34DFA67-3F54-4460-BB09-4F3A565FCFAA}"/>
+                </a:ext>
+              </a:extLst>
+            </p:cNvPr>
+            <p:cNvSpPr txBox="1"/>
+            <p:nvPr/>
+          </p:nvSpPr>
+          <p:spPr>
+            <a:xfrm>
+              <a:off x="7138373" y="1217004"/>
+              <a:ext cx="378630" cy="246221"/>
+            </a:xfrm>
+            <a:prstGeom prst="rect">
+              <a:avLst/>
+            </a:prstGeom>
+            <a:noFill/>
+          </p:spPr>
+          <p:txBody>
+            <a:bodyPr wrap="none" rtlCol="0">
+              <a:spAutoFit/>
+            </a:bodyPr>
+            <a:lstStyle/>
+            <a:p>
+              <a:pPr algn="r"/>
+              <a:r>
+                <a:rPr lang="en-US" sz="1000" dirty="0"/>
+                <a:t>0..*</a:t>
+              </a:r>
+            </a:p>
+          </p:txBody>
+        </p:sp>
+        <p:sp>
+          <p:nvSpPr>
+            <p:cNvPr id="17" name="TextBox 16">
+              <a:extLst>
+                <a:ext uri="{FF2B5EF4-FFF2-40B4-BE49-F238E27FC236}">
+                  <a16:creationId xmlns:a16="http://schemas.microsoft.com/office/drawing/2014/main" id="{81A16BAA-3929-431E-A773-20E66B9F0EEB}"/>
+                </a:ext>
+              </a:extLst>
+            </p:cNvPr>
+            <p:cNvSpPr txBox="1"/>
+            <p:nvPr/>
+          </p:nvSpPr>
+          <p:spPr>
+            <a:xfrm>
+              <a:off x="6364030" y="1217004"/>
+              <a:ext cx="250390" cy="246221"/>
+            </a:xfrm>
+            <a:prstGeom prst="rect">
+              <a:avLst/>
+            </a:prstGeom>
+            <a:noFill/>
+          </p:spPr>
+          <p:txBody>
+            <a:bodyPr wrap="none" rtlCol="0">
+              <a:spAutoFit/>
+            </a:bodyPr>
+            <a:lstStyle/>
+            <a:p>
+              <a:r>
+                <a:rPr lang="en-US" sz="1000" dirty="0"/>
+                <a:t>1</a:t>
+              </a:r>
+            </a:p>
+          </p:txBody>
+        </p:sp>
+        <p:sp>
+          <p:nvSpPr>
+            <p:cNvPr id="18" name="TextBox 17">
+              <a:extLst>
+                <a:ext uri="{FF2B5EF4-FFF2-40B4-BE49-F238E27FC236}">
+                  <a16:creationId xmlns:a16="http://schemas.microsoft.com/office/drawing/2014/main" id="{C5F3FB89-E602-455E-8DAA-9BEE976D1728}"/>
+                </a:ext>
+              </a:extLst>
+            </p:cNvPr>
+            <p:cNvSpPr txBox="1"/>
+            <p:nvPr/>
+          </p:nvSpPr>
+          <p:spPr>
+            <a:xfrm>
+              <a:off x="6376389" y="1033681"/>
+              <a:ext cx="452368" cy="246221"/>
+            </a:xfrm>
+            <a:prstGeom prst="rect">
+              <a:avLst/>
+            </a:prstGeom>
+            <a:noFill/>
+          </p:spPr>
+          <p:txBody>
+            <a:bodyPr wrap="none" rtlCol="0">
+              <a:spAutoFit/>
+            </a:bodyPr>
+            <a:lstStyle/>
+            <a:p>
+              <a:r>
+                <a:rPr lang="en-US" sz="1000" dirty="0"/>
+                <a:t>trace</a:t>
+              </a:r>
+            </a:p>
+          </p:txBody>
+        </p:sp>
+      </p:grpSp>
+      <p:sp>
+        <p:nvSpPr>
+          <p:cNvPr id="7" name="TextBox 6">
+            <a:extLst>
+              <a:ext uri="{FF2B5EF4-FFF2-40B4-BE49-F238E27FC236}">
+                <a16:creationId xmlns:a16="http://schemas.microsoft.com/office/drawing/2014/main" id="{C3661F37-1F0E-4126-A1E9-4445F8C58CDB}"/>
+              </a:ext>
+            </a:extLst>
+          </p:cNvPr>
+          <p:cNvSpPr txBox="1"/>
+          <p:nvPr/>
+        </p:nvSpPr>
         <p:spPr>
           <a:xfrm>
-            <a:off x="4929449" y="3529848"/>
-            <a:ext cx="1188000" cy="0"/>
-          </a:xfrm>
-          <a:prstGeom prst="straightConnector1">
-            <a:avLst/>
-          </a:prstGeom>
-          <a:ln w="12700">
-            <a:solidFill>
-              <a:schemeClr val="tx1"/>
-            </a:solidFill>
-          </a:ln>
-        </p:spPr>
-        <p:style>
-          <a:lnRef idx="1">
-            <a:schemeClr val="accent1"/>
-          </a:lnRef>
-          <a:fillRef idx="0">
-            <a:schemeClr val="accent1"/>
-          </a:fillRef>
-          <a:effectRef idx="0">
-            <a:schemeClr val="accent1"/>
-          </a:effectRef>
-          <a:fontRef idx="minor">
-            <a:schemeClr val="tx1"/>
-          </a:fontRef>
-        </p:style>
-      </p:cxnSp>
-      <p:sp>
-        <p:nvSpPr>
-          <p:cNvPr id="7" name="TextBox 6">
-            <a:extLst>
-              <a:ext uri="{FF2B5EF4-FFF2-40B4-BE49-F238E27FC236}">
-                <a16:creationId xmlns:a16="http://schemas.microsoft.com/office/drawing/2014/main" id="{C3661F37-1F0E-4126-A1E9-4445F8C58CDB}"/>
-              </a:ext>
-            </a:extLst>
-          </p:cNvPr>
-          <p:cNvSpPr txBox="1"/>
-          <p:nvPr/>
-        </p:nvSpPr>
-        <p:spPr>
-          <a:xfrm>
-            <a:off x="806116" y="2929684"/>
+            <a:off x="2857342" y="2929684"/>
             <a:ext cx="1836821" cy="923330"/>
           </a:xfrm>
           <a:prstGeom prst="rect">
@@ -3416,10 +3539,9 @@
           <a:p>
             <a:pPr algn="ctr"/>
             <a:r>
-              <a:rPr lang="en-US" b="1" dirty="0" err="1"/>
-              <a:t>AtomicAssignemt</a:t>
-            </a:r>
-            <a:endParaRPr lang="en-US" b="1" dirty="0"/>
+              <a:rPr lang="en-US" b="1" dirty="0"/>
+              <a:t>Variable</a:t>
+            </a:r>
           </a:p>
           <a:p>
             <a:r>
@@ -3449,7 +3571,7 @@
         </p:nvSpPr>
         <p:spPr>
           <a:xfrm>
-            <a:off x="2807368" y="2207244"/>
+            <a:off x="4858594" y="2207244"/>
             <a:ext cx="216569" cy="192505"/>
           </a:xfrm>
           <a:prstGeom prst="triangle">
@@ -3493,12 +3615,15 @@
         </p:nvSpPr>
         <p:spPr>
           <a:xfrm>
-            <a:off x="2189748" y="729916"/>
+            <a:off x="4240974" y="729916"/>
             <a:ext cx="1451810" cy="1477328"/>
           </a:xfrm>
           <a:prstGeom prst="rect">
             <a:avLst/>
           </a:prstGeom>
+          <a:solidFill>
+            <a:schemeClr val="bg1"/>
+          </a:solidFill>
         </p:spPr>
         <p:style>
           <a:lnRef idx="2">
@@ -3529,8 +3654,13 @@
           <a:p>
             <a:r>
               <a:rPr lang="en-US" u="sng" dirty="0"/>
-              <a:t>+ trace</a:t>
-            </a:r>
+              <a:t>+ </a:t>
+            </a:r>
+            <a:r>
+              <a:rPr lang="en-US" u="sng" dirty="0" err="1"/>
+              <a:t>trace_id</a:t>
+            </a:r>
+            <a:endParaRPr lang="en-US" u="sng" dirty="0"/>
           </a:p>
           <a:p>
             <a:r>
@@ -3541,13 +3671,18 @@
           <a:p>
             <a:r>
               <a:rPr lang="en-US" dirty="0"/>
+              <a:t>+ </a:t>
+            </a:r>
+            <a:r>
+              <a:rPr lang="en-US" dirty="0" err="1"/>
+              <a:t>entry_step</a:t>
+            </a:r>
+            <a:endParaRPr lang="en-US" dirty="0"/>
+          </a:p>
+          <a:p>
+            <a:r>
+              <a:rPr lang="en-US" dirty="0"/>
               <a:t>+ line</a:t>
-            </a:r>
-          </a:p>
-          <a:p>
-            <a:r>
-              <a:rPr lang="en-US" dirty="0"/>
-              <a:t>+ procedure</a:t>
             </a:r>
           </a:p>
         </p:txBody>
@@ -3566,7 +3701,7 @@
         </p:nvSpPr>
         <p:spPr>
           <a:xfrm>
-            <a:off x="3176337" y="2929683"/>
+            <a:off x="5227563" y="2929683"/>
             <a:ext cx="1836821" cy="2031325"/>
           </a:xfrm>
           <a:prstGeom prst="rect">
@@ -3659,19 +3794,17 @@
           <p:cNvCxnSpPr>
             <a:cxnSpLocks/>
             <a:stCxn id="8" idx="3"/>
-            <a:endCxn id="7" idx="0"/>
+            <a:endCxn id="7" idx="3"/>
           </p:cNvCxnSpPr>
           <p:nvPr/>
         </p:nvCxnSpPr>
         <p:spPr>
           <a:xfrm rot="5400000">
-            <a:off x="2055123" y="2069153"/>
-            <a:ext cx="529935" cy="1191126"/>
+            <a:off x="4334721" y="2759191"/>
+            <a:ext cx="991600" cy="272716"/>
           </a:xfrm>
-          <a:prstGeom prst="bentConnector3">
-            <a:avLst>
-              <a:gd name="adj1" fmla="val 50000"/>
-            </a:avLst>
+          <a:prstGeom prst="bentConnector2">
+            <a:avLst/>
           </a:prstGeom>
           <a:ln w="12700">
             <a:solidFill>
@@ -3712,7 +3845,7 @@
         </p:nvCxnSpPr>
         <p:spPr>
           <a:xfrm rot="16200000" flipH="1">
-            <a:off x="3240233" y="2075168"/>
+            <a:off x="5291459" y="2075168"/>
             <a:ext cx="529934" cy="1179095"/>
           </a:xfrm>
           <a:prstGeom prst="bentConnector3">
@@ -3743,10 +3876,10 @@
       </p:cxnSp>
       <p:sp>
         <p:nvSpPr>
-          <p:cNvPr id="19" name="TextBox 18">
-            <a:extLst>
-              <a:ext uri="{FF2B5EF4-FFF2-40B4-BE49-F238E27FC236}">
-                <a16:creationId xmlns:a16="http://schemas.microsoft.com/office/drawing/2014/main" id="{6A7DF1E9-5350-4402-85C7-D262FC7948A9}"/>
+          <p:cNvPr id="13" name="TextBox 12">
+            <a:extLst>
+              <a:ext uri="{FF2B5EF4-FFF2-40B4-BE49-F238E27FC236}">
+                <a16:creationId xmlns:a16="http://schemas.microsoft.com/office/drawing/2014/main" id="{43000CF3-0BE5-407B-81CE-E1D106EFAF04}"/>
               </a:ext>
             </a:extLst>
           </p:cNvPr>
@@ -3755,8 +3888,72 @@
         </p:nvSpPr>
         <p:spPr>
           <a:xfrm>
-            <a:off x="6040654" y="2929683"/>
-            <a:ext cx="1764631" cy="1200329"/>
+            <a:off x="1692935" y="729916"/>
+            <a:ext cx="1451810" cy="923330"/>
+          </a:xfrm>
+          <a:prstGeom prst="rect">
+            <a:avLst/>
+          </a:prstGeom>
+          <a:solidFill>
+            <a:schemeClr val="bg1"/>
+          </a:solidFill>
+        </p:spPr>
+        <p:style>
+          <a:lnRef idx="2">
+            <a:schemeClr val="dk1"/>
+          </a:lnRef>
+          <a:fillRef idx="1">
+            <a:schemeClr val="lt1"/>
+          </a:fillRef>
+          <a:effectRef idx="0">
+            <a:schemeClr val="dk1"/>
+          </a:effectRef>
+          <a:fontRef idx="minor">
+            <a:schemeClr val="dk1"/>
+          </a:fontRef>
+        </p:style>
+        <p:txBody>
+          <a:bodyPr wrap="square" rtlCol="0">
+            <a:spAutoFit/>
+          </a:bodyPr>
+          <a:lstStyle/>
+          <a:p>
+            <a:pPr algn="ctr"/>
+            <a:r>
+              <a:rPr lang="en-US" b="1" dirty="0"/>
+              <a:t>Trace</a:t>
+            </a:r>
+          </a:p>
+          <a:p>
+            <a:r>
+              <a:rPr lang="en-US" u="sng" dirty="0"/>
+              <a:t>+ id</a:t>
+            </a:r>
+          </a:p>
+          <a:p>
+            <a:r>
+              <a:rPr lang="en-US" dirty="0"/>
+              <a:t>+ name</a:t>
+            </a:r>
+          </a:p>
+        </p:txBody>
+      </p:sp>
+      <p:sp>
+        <p:nvSpPr>
+          <p:cNvPr id="21" name="TextBox 20">
+            <a:extLst>
+              <a:ext uri="{FF2B5EF4-FFF2-40B4-BE49-F238E27FC236}">
+                <a16:creationId xmlns:a16="http://schemas.microsoft.com/office/drawing/2014/main" id="{EA6DE549-845E-476F-B36B-248E5B252CE2}"/>
+              </a:ext>
+            </a:extLst>
+          </p:cNvPr>
+          <p:cNvSpPr txBox="1"/>
+          <p:nvPr/>
+        </p:nvSpPr>
+        <p:spPr>
+          <a:xfrm>
+            <a:off x="2857341" y="4037678"/>
+            <a:ext cx="1836821" cy="923330"/>
           </a:xfrm>
           <a:prstGeom prst="rect">
             <a:avLst/>
@@ -3785,20 +3982,14 @@
             <a:pPr algn="ctr"/>
             <a:r>
               <a:rPr lang="en-US" b="1" dirty="0" err="1"/>
-              <a:t>QueryArgument</a:t>
+              <a:t>ControlFlow</a:t>
             </a:r>
             <a:endParaRPr lang="en-US" b="1" dirty="0"/>
           </a:p>
           <a:p>
             <a:r>
-              <a:rPr lang="en-US" u="sng" dirty="0"/>
-              <a:t>+ number</a:t>
-            </a:r>
-          </a:p>
-          <a:p>
-            <a:r>
               <a:rPr lang="en-US" dirty="0"/>
-              <a:t>+ name</a:t>
+              <a:t>+ type</a:t>
             </a:r>
           </a:p>
           <a:p>
@@ -3809,111 +4000,51 @@
           </a:p>
         </p:txBody>
       </p:sp>
-      <p:sp>
-        <p:nvSpPr>
-          <p:cNvPr id="32" name="TextBox 31">
-            <a:extLst>
-              <a:ext uri="{FF2B5EF4-FFF2-40B4-BE49-F238E27FC236}">
-                <a16:creationId xmlns:a16="http://schemas.microsoft.com/office/drawing/2014/main" id="{18F45AA0-C159-450C-BF7E-FB2C3373D3C2}"/>
-              </a:ext>
-            </a:extLst>
-          </p:cNvPr>
-          <p:cNvSpPr txBox="1"/>
+      <p:cxnSp>
+        <p:nvCxnSpPr>
+          <p:cNvPr id="22" name="Connector: Elbow 21">
+            <a:extLst>
+              <a:ext uri="{FF2B5EF4-FFF2-40B4-BE49-F238E27FC236}">
+                <a16:creationId xmlns:a16="http://schemas.microsoft.com/office/drawing/2014/main" id="{872522CD-AA42-498A-9CFF-1323985A068B}"/>
+              </a:ext>
+            </a:extLst>
+          </p:cNvPr>
+          <p:cNvCxnSpPr>
+            <a:cxnSpLocks/>
+            <a:stCxn id="8" idx="3"/>
+            <a:endCxn id="21" idx="3"/>
+          </p:cNvCxnSpPr>
           <p:nvPr/>
-        </p:nvSpPr>
+        </p:nvCxnSpPr>
         <p:spPr>
-          <a:xfrm>
-            <a:off x="5737058" y="3498885"/>
-            <a:ext cx="378630" cy="246221"/>
+          <a:xfrm rot="5400000">
+            <a:off x="3780724" y="3313188"/>
+            <a:ext cx="2099594" cy="272717"/>
           </a:xfrm>
-          <a:prstGeom prst="rect">
+          <a:prstGeom prst="bentConnector2">
             <a:avLst/>
           </a:prstGeom>
-          <a:noFill/>
+          <a:ln w="12700">
+            <a:solidFill>
+              <a:schemeClr val="tx1"/>
+            </a:solidFill>
+          </a:ln>
         </p:spPr>
-        <p:txBody>
-          <a:bodyPr wrap="none" rtlCol="0">
-            <a:spAutoFit/>
-          </a:bodyPr>
-          <a:lstStyle/>
-          <a:p>
-            <a:r>
-              <a:rPr lang="en-US" sz="1000" dirty="0"/>
-              <a:t>0..*</a:t>
-            </a:r>
-          </a:p>
-        </p:txBody>
-      </p:sp>
-      <p:sp>
-        <p:nvSpPr>
-          <p:cNvPr id="33" name="TextBox 32">
-            <a:extLst>
-              <a:ext uri="{FF2B5EF4-FFF2-40B4-BE49-F238E27FC236}">
-                <a16:creationId xmlns:a16="http://schemas.microsoft.com/office/drawing/2014/main" id="{92C820E2-4646-452A-AD3F-9D02041A7AA4}"/>
-              </a:ext>
-            </a:extLst>
-          </p:cNvPr>
-          <p:cNvSpPr txBox="1"/>
-          <p:nvPr/>
-        </p:nvSpPr>
-        <p:spPr>
-          <a:xfrm>
-            <a:off x="4962715" y="3498885"/>
-            <a:ext cx="250390" cy="246221"/>
-          </a:xfrm>
-          <a:prstGeom prst="rect">
-            <a:avLst/>
-          </a:prstGeom>
-          <a:noFill/>
-        </p:spPr>
-        <p:txBody>
-          <a:bodyPr wrap="none" rtlCol="0">
-            <a:spAutoFit/>
-          </a:bodyPr>
-          <a:lstStyle/>
-          <a:p>
-            <a:r>
-              <a:rPr lang="en-US" sz="1000" dirty="0"/>
-              <a:t>1</a:t>
-            </a:r>
-          </a:p>
-        </p:txBody>
-      </p:sp>
-      <p:sp>
-        <p:nvSpPr>
-          <p:cNvPr id="34" name="TextBox 33">
-            <a:extLst>
-              <a:ext uri="{FF2B5EF4-FFF2-40B4-BE49-F238E27FC236}">
-                <a16:creationId xmlns:a16="http://schemas.microsoft.com/office/drawing/2014/main" id="{DEA6063C-69BE-496F-86FD-A734422DDBEA}"/>
-              </a:ext>
-            </a:extLst>
-          </p:cNvPr>
-          <p:cNvSpPr txBox="1"/>
-          <p:nvPr/>
-        </p:nvSpPr>
-        <p:spPr>
-          <a:xfrm>
-            <a:off x="4962715" y="3315562"/>
-            <a:ext cx="486030" cy="246221"/>
-          </a:xfrm>
-          <a:prstGeom prst="rect">
-            <a:avLst/>
-          </a:prstGeom>
-          <a:noFill/>
-        </p:spPr>
-        <p:txBody>
-          <a:bodyPr wrap="none" rtlCol="0">
-            <a:spAutoFit/>
-          </a:bodyPr>
-          <a:lstStyle/>
-          <a:p>
-            <a:r>
-              <a:rPr lang="en-US" sz="1000" dirty="0"/>
-              <a:t>query</a:t>
-            </a:r>
-          </a:p>
-        </p:txBody>
-      </p:sp>
+        <p:style>
+          <a:lnRef idx="1">
+            <a:schemeClr val="accent1"/>
+          </a:lnRef>
+          <a:fillRef idx="0">
+            <a:schemeClr val="accent1"/>
+          </a:fillRef>
+          <a:effectRef idx="0">
+            <a:schemeClr val="accent1"/>
+          </a:effectRef>
+          <a:fontRef idx="minor">
+            <a:schemeClr val="tx1"/>
+          </a:fontRef>
+        </p:style>
+      </p:cxnSp>
     </p:spTree>
     <p:extLst>
       <p:ext uri="{BB962C8B-B14F-4D97-AF65-F5344CB8AC3E}">
